--- a/Vereinsverwaltung.pptx
+++ b/Vereinsverwaltung.pptx
@@ -4763,7 +4763,7 @@
       </p:grpSpPr>
       <p:sp>
         <p:nvSpPr>
-          <p:cNvPr id="203" name="Shape 203"/>
+          <p:cNvPr id="205" name="Shape 205"/>
           <p:cNvSpPr/>
           <p:nvPr>
             <p:ph type="title"/>
@@ -5028,9 +5028,33 @@
             </a:r>
           </a:p>
           <a:p>
-            <a:pPr/>
-            <a:r>
-              <a:t>…</a:t>
+            <a:pPr lvl="1"/>
+            <a:r>
+              <a:t>Spiele</a:t>
+            </a:r>
+          </a:p>
+          <a:p>
+            <a:pPr lvl="1"/>
+            <a:r>
+              <a:t>Mitgliedertypen</a:t>
+            </a:r>
+          </a:p>
+          <a:p>
+            <a:pPr lvl="1"/>
+            <a:r>
+              <a:t>Mannschaften</a:t>
+            </a:r>
+          </a:p>
+          <a:p>
+            <a:pPr/>
+            <a:r>
+              <a:t>Zentrale Verwaltung</a:t>
+            </a:r>
+          </a:p>
+          <a:p>
+            <a:pPr/>
+            <a:r>
+              <a:t>Login (Pseudo)</a:t>
             </a:r>
           </a:p>
         </p:txBody>
@@ -5696,6 +5720,93 @@
           </a:ln>
         </p:spPr>
       </p:pic>
+      <p:sp>
+        <p:nvSpPr>
+          <p:cNvPr id="198" name="Shape 198"/>
+          <p:cNvSpPr/>
+          <p:nvPr/>
+        </p:nvSpPr>
+        <p:spPr>
+          <a:xfrm>
+            <a:off x="4546600" y="2724150"/>
+            <a:ext cx="3760689" cy="1155651"/>
+          </a:xfrm>
+          <a:prstGeom prst="rect">
+            <a:avLst/>
+          </a:prstGeom>
+          <a:solidFill>
+            <a:srgbClr val="FFFFFF"/>
+          </a:solidFill>
+          <a:ln w="12700">
+            <a:miter lim="400000"/>
+          </a:ln>
+        </p:spPr>
+        <p:txBody>
+          <a:bodyPr lIns="50800" tIns="50800" rIns="50800" bIns="50800" anchor="ctr"/>
+          <a:lstStyle/>
+          <a:p>
+            <a:pPr algn="ctr">
+              <a:lnSpc>
+                <a:spcPct val="80000"/>
+              </a:lnSpc>
+              <a:spcBef>
+                <a:spcPts val="0"/>
+              </a:spcBef>
+              <a:defRPr cap="all" sz="2800">
+                <a:solidFill>
+                  <a:srgbClr val="FFFFFF"/>
+                </a:solidFill>
+                <a:latin typeface="+mn-lt"/>
+                <a:ea typeface="+mn-ea"/>
+                <a:cs typeface="+mn-cs"/>
+                <a:sym typeface="DIN Condensed"/>
+              </a:defRPr>
+            </a:pPr>
+          </a:p>
+        </p:txBody>
+      </p:sp>
+      <p:sp>
+        <p:nvSpPr>
+          <p:cNvPr id="199" name="Shape 199"/>
+          <p:cNvSpPr/>
+          <p:nvPr/>
+        </p:nvSpPr>
+        <p:spPr>
+          <a:xfrm flipV="1">
+            <a:off x="6451599" y="2524169"/>
+            <a:ext cx="1" cy="1555612"/>
+          </a:xfrm>
+          <a:prstGeom prst="line">
+            <a:avLst/>
+          </a:prstGeom>
+          <a:ln w="38100">
+            <a:solidFill>
+              <a:srgbClr val="000000"/>
+            </a:solidFill>
+            <a:miter lim="400000"/>
+          </a:ln>
+        </p:spPr>
+        <p:txBody>
+          <a:bodyPr lIns="50800" tIns="50800" rIns="50800" bIns="50800" anchor="ctr"/>
+          <a:lstStyle/>
+          <a:p>
+            <a:pPr algn="ctr">
+              <a:lnSpc>
+                <a:spcPct val="80000"/>
+              </a:lnSpc>
+              <a:spcBef>
+                <a:spcPts val="0"/>
+              </a:spcBef>
+              <a:defRPr cap="all" sz="2800">
+                <a:latin typeface="+mn-lt"/>
+                <a:ea typeface="+mn-ea"/>
+                <a:cs typeface="+mn-cs"/>
+                <a:sym typeface="DIN Condensed"/>
+              </a:defRPr>
+            </a:pPr>
+          </a:p>
+        </p:txBody>
+      </p:sp>
     </p:spTree>
   </p:cSld>
   <p:clrMapOvr>
@@ -5724,7 +5835,7 @@
       </p:grpSpPr>
       <p:sp>
         <p:nvSpPr>
-          <p:cNvPr id="199" name="Shape 199"/>
+          <p:cNvPr id="201" name="Shape 201"/>
           <p:cNvSpPr/>
           <p:nvPr>
             <p:ph type="body" idx="13"/>
@@ -5748,7 +5859,7 @@
       </p:sp>
       <p:sp>
         <p:nvSpPr>
-          <p:cNvPr id="200" name="Shape 200"/>
+          <p:cNvPr id="202" name="Shape 202"/>
           <p:cNvSpPr/>
           <p:nvPr>
             <p:ph type="title"/>
@@ -5779,7 +5890,7 @@
       </p:sp>
       <p:sp>
         <p:nvSpPr>
-          <p:cNvPr id="201" name="Shape 201"/>
+          <p:cNvPr id="203" name="Shape 203"/>
           <p:cNvSpPr/>
           <p:nvPr>
             <p:ph type="body" idx="1"/>
@@ -5802,7 +5913,25 @@
           <a:p>
             <a:pPr/>
             <a:r>
+              <a:t>Mannschaften trainieren</a:t>
+            </a:r>
+          </a:p>
+          <a:p>
+            <a:pPr lvl="1"/>
+            <a:r>
+              <a:t>Spielerstärken verbessern</a:t>
+            </a:r>
+          </a:p>
+          <a:p>
+            <a:pPr/>
+            <a:r>
               <a:t>Datenbankanbindung</a:t>
+            </a:r>
+          </a:p>
+          <a:p>
+            <a:pPr/>
+            <a:r>
+              <a:t>Richtiger Login</a:t>
             </a:r>
           </a:p>
         </p:txBody>
